--- a/PageRank.pptx
+++ b/PageRank.pptx
@@ -225,7 +225,7 @@
           <a:p>
             <a:fld id="{762C2EF9-47A6-45EF-AB82-8D9BB0F90DF7}" type="datetimeFigureOut">
               <a:rPr lang="it-IT" smtClean="0"/>
-              <a:t>30/06/2024</a:t>
+              <a:t>05/07/2024</a:t>
             </a:fld>
             <a:endParaRPr lang="it-IT"/>
           </a:p>
@@ -403,7 +403,7 @@
           <a:p>
             <a:fld id="{BEDFD063-11B0-4D3B-AFA4-3F68CAF4D189}" type="datetimeFigureOut">
               <a:rPr lang="it-IT" smtClean="0"/>
-              <a:t>30/06/2024</a:t>
+              <a:t>05/07/2024</a:t>
             </a:fld>
             <a:endParaRPr lang="it-IT"/>
           </a:p>
@@ -7508,8 +7508,8 @@
           </a:p>
         </p:txBody>
       </p:sp>
-      <mc:AlternateContent xmlns:mc="http://schemas.openxmlformats.org/markup-compatibility/2006">
-        <mc:Choice xmlns:a14="http://schemas.microsoft.com/office/drawing/2010/main" Requires="a14">
+      <mc:AlternateContent xmlns:mc="http://schemas.openxmlformats.org/markup-compatibility/2006" xmlns:a14="http://schemas.microsoft.com/office/drawing/2010/main">
+        <mc:Choice Requires="a14">
           <p:sp>
             <p:nvSpPr>
               <p:cNvPr id="41" name="TextBox 40">
@@ -7784,7 +7784,7 @@
             </p:txBody>
           </p:sp>
         </mc:Choice>
-        <mc:Fallback>
+        <mc:Fallback xmlns="">
           <p:sp>
             <p:nvSpPr>
               <p:cNvPr id="41" name="TextBox 40">
@@ -7956,8 +7956,8 @@
           </a:p>
         </p:txBody>
       </p:sp>
-      <mc:AlternateContent xmlns:mc="http://schemas.openxmlformats.org/markup-compatibility/2006">
-        <mc:Choice xmlns:a14="http://schemas.microsoft.com/office/drawing/2010/main" Requires="a14">
+      <mc:AlternateContent xmlns:mc="http://schemas.openxmlformats.org/markup-compatibility/2006" xmlns:a14="http://schemas.microsoft.com/office/drawing/2010/main">
+        <mc:Choice Requires="a14">
           <p:sp>
             <p:nvSpPr>
               <p:cNvPr id="12" name="TextBox 11">
@@ -9287,7 +9287,7 @@
             </p:txBody>
           </p:sp>
         </mc:Choice>
-        <mc:Fallback>
+        <mc:Fallback xmlns="">
           <p:sp>
             <p:nvSpPr>
               <p:cNvPr id="12" name="TextBox 11">
@@ -10357,8 +10357,8 @@
           </p:sp>
         </mc:Fallback>
       </mc:AlternateContent>
-      <mc:AlternateContent xmlns:mc="http://schemas.openxmlformats.org/markup-compatibility/2006">
-        <mc:Choice xmlns:a14="http://schemas.microsoft.com/office/drawing/2010/main" Requires="a14">
+      <mc:AlternateContent xmlns:mc="http://schemas.openxmlformats.org/markup-compatibility/2006" xmlns:a14="http://schemas.microsoft.com/office/drawing/2010/main">
+        <mc:Choice Requires="a14">
           <p:sp>
             <p:nvSpPr>
               <p:cNvPr id="13" name="TextBox 12">
@@ -10745,7 +10745,7 @@
             </p:txBody>
           </p:sp>
         </mc:Choice>
-        <mc:Fallback>
+        <mc:Fallback xmlns="">
           <p:sp>
             <p:nvSpPr>
               <p:cNvPr id="13" name="TextBox 12">
@@ -13363,7 +13363,7 @@
         <p:spPr>
           <a:xfrm>
             <a:off x="390616" y="2336801"/>
-            <a:ext cx="7510509" cy="3805378"/>
+            <a:ext cx="7562823" cy="3805378"/>
           </a:xfrm>
           <a:prstGeom prst="rect">
             <a:avLst/>
@@ -13672,7 +13672,7 @@
                 <a:ea typeface="Roboto" panose="02000000000000000000" pitchFamily="2" charset="0"/>
                 <a:cs typeface="Roboto" panose="02000000000000000000" pitchFamily="2" charset="0"/>
               </a:rPr>
-              <a:t>|), Names (titles of Wikipedia articles |V|x1), Labels (category numbers for each page |V|x1) and Label names (names of the 11 categories |11x1). Summary measures: </a:t>
+              <a:t>|), Names (titles of Wikipedia articles |V|x1), Labels (category numbers for each page |V|x1) and Label names (names of the 11 categories |11|x1). Summary measures: </a:t>
             </a:r>
             <a:r>
               <a:rPr lang="en-US" sz="1400" b="1" dirty="0">
